--- a/2024-Q4/2024-11-10/2024-11-10-Psalms.pptx
+++ b/2024-Q4/2024-11-10/2024-11-10-Psalms.pptx
@@ -289,7 +289,7 @@
               <a:pPr>
                 <a:defRPr/>
               </a:pPr>
-              <a:t>11/9/2024</a:t>
+              <a:t>11/10/2024</a:t>
             </a:fld>
             <a:endParaRPr lang="en-US"/>
           </a:p>
@@ -4579,7 +4579,7 @@
             <a:prstTxWarp prst="textNoShape">
               <a:avLst/>
             </a:prstTxWarp>
-            <a:normAutofit/>
+            <a:normAutofit lnSpcReduction="10000"/>
           </a:bodyPr>
           <a:lstStyle>
             <a:lvl1pPr algn="ctr" rtl="0" eaLnBrk="1" fontAlgn="base" hangingPunct="1">
@@ -4792,14 +4792,17 @@
             </a:endParaRPr>
           </a:p>
           <a:p>
-            <a:endParaRPr lang="en-US" sz="2400" dirty="0">
-              <a:solidFill>
-                <a:schemeClr val="tx2">
-                  <a:lumMod val="60000"/>
-                  <a:lumOff val="40000"/>
-                </a:schemeClr>
-              </a:solidFill>
-            </a:endParaRPr>
+            <a:r>
+              <a:rPr lang="en-US" sz="2400" dirty="0">
+                <a:solidFill>
+                  <a:schemeClr val="tx2">
+                    <a:lumMod val="60000"/>
+                    <a:lumOff val="40000"/>
+                  </a:schemeClr>
+                </a:solidFill>
+              </a:rPr>
+              <a:t>https://tinyurl.com/3hdxbpvy</a:t>
+            </a:r>
           </a:p>
         </p:txBody>
       </p:sp>
@@ -6022,7 +6025,7 @@
                                         <p:tgtEl>
                                           <p:spTgt spid="6">
                                             <p:txEl>
-                                              <p:charRg st="739" end="853"/>
+                                              <p:pRg st="8" end="8"/>
                                             </p:txEl>
                                           </p:spTgt>
                                         </p:tgtEl>
@@ -6040,7 +6043,7 @@
                                         <p:tgtEl>
                                           <p:spTgt spid="6">
                                             <p:txEl>
-                                              <p:charRg st="739" end="853"/>
+                                              <p:pRg st="8" end="8"/>
                                             </p:txEl>
                                           </p:spTgt>
                                         </p:tgtEl>
@@ -6052,7 +6055,7 @@
                                         <p:tgtEl>
                                           <p:spTgt spid="6">
                                             <p:txEl>
-                                              <p:charRg st="739" end="853"/>
+                                              <p:pRg st="8" end="8"/>
                                             </p:txEl>
                                           </p:spTgt>
                                         </p:tgtEl>
@@ -6079,7 +6082,7 @@
                                         <p:tgtEl>
                                           <p:spTgt spid="6">
                                             <p:txEl>
-                                              <p:charRg st="739" end="853"/>
+                                              <p:pRg st="8" end="8"/>
                                             </p:txEl>
                                           </p:spTgt>
                                         </p:tgtEl>
@@ -6666,7 +6669,7 @@
                                         <p:tgtEl>
                                           <p:spTgt spid="6">
                                             <p:txEl>
-                                              <p:charRg st="651" end="802"/>
+                                              <p:pRg st="8" end="8"/>
                                             </p:txEl>
                                           </p:spTgt>
                                         </p:tgtEl>
@@ -6684,7 +6687,7 @@
                                         <p:tgtEl>
                                           <p:spTgt spid="6">
                                             <p:txEl>
-                                              <p:charRg st="651" end="802"/>
+                                              <p:pRg st="8" end="8"/>
                                             </p:txEl>
                                           </p:spTgt>
                                         </p:tgtEl>
@@ -6696,7 +6699,7 @@
                                         <p:tgtEl>
                                           <p:spTgt spid="6">
                                             <p:txEl>
-                                              <p:charRg st="651" end="802"/>
+                                              <p:pRg st="8" end="8"/>
                                             </p:txEl>
                                           </p:spTgt>
                                         </p:tgtEl>
@@ -6723,7 +6726,7 @@
                                         <p:tgtEl>
                                           <p:spTgt spid="6">
                                             <p:txEl>
-                                              <p:charRg st="651" end="802"/>
+                                              <p:pRg st="8" end="8"/>
                                             </p:txEl>
                                           </p:spTgt>
                                         </p:tgtEl>
